--- a/ppt 16-9/0945.耶和华的精兵.pptx
+++ b/ppt 16-9/0945.耶和华的精兵.pptx
@@ -5,7 +5,7 @@
     <p:sldMasterId id="2147483648" r:id="rId1"/>
   </p:sldMasterIdLst>
   <p:sldIdLst>
-    <p:sldId id="327" r:id="rId2"/>
+    <p:sldId id="329" r:id="rId2"/>
   </p:sldIdLst>
   <p:sldSz cx="12192000" cy="6858000"/>
   <p:notesSz cx="6858000" cy="9144000"/>
@@ -129,7 +129,7 @@
           <p:cNvPr id="2" name="标题 1">
             <a:extLst>
               <a:ext uri="{FF2B5EF4-FFF2-40B4-BE49-F238E27FC236}">
-                <a16:creationId xmlns:a16="http://schemas.microsoft.com/office/drawing/2014/main" id="{93742EAF-3F4C-1AB9-B23C-9A6B359A1BF4}"/>
+                <a16:creationId xmlns:a16="http://schemas.microsoft.com/office/drawing/2014/main" id="{9D46681B-56DC-EA1A-1C5E-1125347384A5}"/>
               </a:ext>
             </a:extLst>
           </p:cNvPr>
@@ -166,7 +166,7 @@
           <p:cNvPr id="3" name="副标题 2">
             <a:extLst>
               <a:ext uri="{FF2B5EF4-FFF2-40B4-BE49-F238E27FC236}">
-                <a16:creationId xmlns:a16="http://schemas.microsoft.com/office/drawing/2014/main" id="{E087B3C9-E2DB-7ED9-179B-B996D74CD427}"/>
+                <a16:creationId xmlns:a16="http://schemas.microsoft.com/office/drawing/2014/main" id="{706069BB-D6D9-888D-AE57-C191B56B0603}"/>
               </a:ext>
             </a:extLst>
           </p:cNvPr>
@@ -236,7 +236,7 @@
           <p:cNvPr id="4" name="日期占位符 3">
             <a:extLst>
               <a:ext uri="{FF2B5EF4-FFF2-40B4-BE49-F238E27FC236}">
-                <a16:creationId xmlns:a16="http://schemas.microsoft.com/office/drawing/2014/main" id="{7AB301C0-8494-AD08-520D-737D45E97C14}"/>
+                <a16:creationId xmlns:a16="http://schemas.microsoft.com/office/drawing/2014/main" id="{518CC6AB-D5BE-98F0-4C07-C1056FFD416F}"/>
               </a:ext>
             </a:extLst>
           </p:cNvPr>
@@ -252,7 +252,7 @@
           <a:bodyPr/>
           <a:lstStyle/>
           <a:p>
-            <a:fld id="{8017A240-87EB-4D77-AE3A-0ED74839D1EE}" type="datetimeFigureOut">
+            <a:fld id="{5C1A56A0-D082-4B6F-9474-715149C07278}" type="datetimeFigureOut">
               <a:rPr lang="zh-CN" altLang="en-US" smtClean="0"/>
               <a:t>2024/3/10</a:t>
             </a:fld>
@@ -265,7 +265,7 @@
           <p:cNvPr id="5" name="页脚占位符 4">
             <a:extLst>
               <a:ext uri="{FF2B5EF4-FFF2-40B4-BE49-F238E27FC236}">
-                <a16:creationId xmlns:a16="http://schemas.microsoft.com/office/drawing/2014/main" id="{081674AF-0755-21A3-3E63-A2DD4B4E23A3}"/>
+                <a16:creationId xmlns:a16="http://schemas.microsoft.com/office/drawing/2014/main" id="{0C4E9495-E9AB-D252-1FF6-C176736351BE}"/>
               </a:ext>
             </a:extLst>
           </p:cNvPr>
@@ -290,7 +290,7 @@
           <p:cNvPr id="6" name="灯片编号占位符 5">
             <a:extLst>
               <a:ext uri="{FF2B5EF4-FFF2-40B4-BE49-F238E27FC236}">
-                <a16:creationId xmlns:a16="http://schemas.microsoft.com/office/drawing/2014/main" id="{3AF79A39-B8FE-88A9-71FC-409B3688A9E0}"/>
+                <a16:creationId xmlns:a16="http://schemas.microsoft.com/office/drawing/2014/main" id="{015CDCC9-2725-6B7B-287A-99092241672F}"/>
               </a:ext>
             </a:extLst>
           </p:cNvPr>
@@ -306,7 +306,7 @@
           <a:bodyPr/>
           <a:lstStyle/>
           <a:p>
-            <a:fld id="{0AFBBD74-BFF0-41A7-B4B8-A0F2CDA4D2A3}" type="slidenum">
+            <a:fld id="{F8B3442F-0F36-4FE0-889B-D5138B5FEB28}" type="slidenum">
               <a:rPr lang="zh-CN" altLang="en-US" smtClean="0"/>
               <a:t>‹#›</a:t>
             </a:fld>
@@ -317,7 +317,7 @@
     </p:spTree>
     <p:extLst>
       <p:ext uri="{BB962C8B-B14F-4D97-AF65-F5344CB8AC3E}">
-        <p14:creationId xmlns:p14="http://schemas.microsoft.com/office/powerpoint/2010/main" val="2205141008"/>
+        <p14:creationId xmlns:p14="http://schemas.microsoft.com/office/powerpoint/2010/main" val="3013701908"/>
       </p:ext>
     </p:extLst>
   </p:cSld>
@@ -349,7 +349,7 @@
           <p:cNvPr id="2" name="标题 1">
             <a:extLst>
               <a:ext uri="{FF2B5EF4-FFF2-40B4-BE49-F238E27FC236}">
-                <a16:creationId xmlns:a16="http://schemas.microsoft.com/office/drawing/2014/main" id="{8CFBFA60-46E4-140C-3CAC-32FF8767B1B5}"/>
+                <a16:creationId xmlns:a16="http://schemas.microsoft.com/office/drawing/2014/main" id="{015D5029-55CC-CE3F-877C-3115062C5AD6}"/>
               </a:ext>
             </a:extLst>
           </p:cNvPr>
@@ -377,7 +377,7 @@
           <p:cNvPr id="3" name="竖排文字占位符 2">
             <a:extLst>
               <a:ext uri="{FF2B5EF4-FFF2-40B4-BE49-F238E27FC236}">
-                <a16:creationId xmlns:a16="http://schemas.microsoft.com/office/drawing/2014/main" id="{B6DF9067-2B2E-50EF-4189-7C604CCD5345}"/>
+                <a16:creationId xmlns:a16="http://schemas.microsoft.com/office/drawing/2014/main" id="{BAA33DD3-4BF0-1553-955D-508D6FF98FA6}"/>
               </a:ext>
             </a:extLst>
           </p:cNvPr>
@@ -434,7 +434,7 @@
           <p:cNvPr id="4" name="日期占位符 3">
             <a:extLst>
               <a:ext uri="{FF2B5EF4-FFF2-40B4-BE49-F238E27FC236}">
-                <a16:creationId xmlns:a16="http://schemas.microsoft.com/office/drawing/2014/main" id="{C7AF13AC-6331-1F28-2A54-CBBC90235EA5}"/>
+                <a16:creationId xmlns:a16="http://schemas.microsoft.com/office/drawing/2014/main" id="{6A3CF717-525F-C6CF-3D11-C06DFAD9F371}"/>
               </a:ext>
             </a:extLst>
           </p:cNvPr>
@@ -450,7 +450,7 @@
           <a:bodyPr/>
           <a:lstStyle/>
           <a:p>
-            <a:fld id="{8017A240-87EB-4D77-AE3A-0ED74839D1EE}" type="datetimeFigureOut">
+            <a:fld id="{5C1A56A0-D082-4B6F-9474-715149C07278}" type="datetimeFigureOut">
               <a:rPr lang="zh-CN" altLang="en-US" smtClean="0"/>
               <a:t>2024/3/10</a:t>
             </a:fld>
@@ -463,7 +463,7 @@
           <p:cNvPr id="5" name="页脚占位符 4">
             <a:extLst>
               <a:ext uri="{FF2B5EF4-FFF2-40B4-BE49-F238E27FC236}">
-                <a16:creationId xmlns:a16="http://schemas.microsoft.com/office/drawing/2014/main" id="{D1B7DACC-B901-D5EF-895D-968DFEB99114}"/>
+                <a16:creationId xmlns:a16="http://schemas.microsoft.com/office/drawing/2014/main" id="{919BC803-86A5-54FB-8D21-0F7458ABE7C0}"/>
               </a:ext>
             </a:extLst>
           </p:cNvPr>
@@ -488,7 +488,7 @@
           <p:cNvPr id="6" name="灯片编号占位符 5">
             <a:extLst>
               <a:ext uri="{FF2B5EF4-FFF2-40B4-BE49-F238E27FC236}">
-                <a16:creationId xmlns:a16="http://schemas.microsoft.com/office/drawing/2014/main" id="{19C3B2CC-EA63-E05E-D423-ED8EA76A58BB}"/>
+                <a16:creationId xmlns:a16="http://schemas.microsoft.com/office/drawing/2014/main" id="{FC9C166E-42E0-E824-EDF2-98427EFF8CC5}"/>
               </a:ext>
             </a:extLst>
           </p:cNvPr>
@@ -504,7 +504,7 @@
           <a:bodyPr/>
           <a:lstStyle/>
           <a:p>
-            <a:fld id="{0AFBBD74-BFF0-41A7-B4B8-A0F2CDA4D2A3}" type="slidenum">
+            <a:fld id="{F8B3442F-0F36-4FE0-889B-D5138B5FEB28}" type="slidenum">
               <a:rPr lang="zh-CN" altLang="en-US" smtClean="0"/>
               <a:t>‹#›</a:t>
             </a:fld>
@@ -515,7 +515,7 @@
     </p:spTree>
     <p:extLst>
       <p:ext uri="{BB962C8B-B14F-4D97-AF65-F5344CB8AC3E}">
-        <p14:creationId xmlns:p14="http://schemas.microsoft.com/office/powerpoint/2010/main" val="3358116465"/>
+        <p14:creationId xmlns:p14="http://schemas.microsoft.com/office/powerpoint/2010/main" val="2369928793"/>
       </p:ext>
     </p:extLst>
   </p:cSld>
@@ -547,7 +547,7 @@
           <p:cNvPr id="2" name="竖排标题 1">
             <a:extLst>
               <a:ext uri="{FF2B5EF4-FFF2-40B4-BE49-F238E27FC236}">
-                <a16:creationId xmlns:a16="http://schemas.microsoft.com/office/drawing/2014/main" id="{5EE7313E-497D-6CDB-2DFA-6DA1C3E4CBF4}"/>
+                <a16:creationId xmlns:a16="http://schemas.microsoft.com/office/drawing/2014/main" id="{2FD47885-F4D8-F25A-3DBA-6C738DA7E97F}"/>
               </a:ext>
             </a:extLst>
           </p:cNvPr>
@@ -580,7 +580,7 @@
           <p:cNvPr id="3" name="竖排文字占位符 2">
             <a:extLst>
               <a:ext uri="{FF2B5EF4-FFF2-40B4-BE49-F238E27FC236}">
-                <a16:creationId xmlns:a16="http://schemas.microsoft.com/office/drawing/2014/main" id="{32543168-41DB-810E-B0CB-563CD01F78FB}"/>
+                <a16:creationId xmlns:a16="http://schemas.microsoft.com/office/drawing/2014/main" id="{C4470590-9BDD-5F40-F31E-7C6AB8C209A1}"/>
               </a:ext>
             </a:extLst>
           </p:cNvPr>
@@ -642,7 +642,7 @@
           <p:cNvPr id="4" name="日期占位符 3">
             <a:extLst>
               <a:ext uri="{FF2B5EF4-FFF2-40B4-BE49-F238E27FC236}">
-                <a16:creationId xmlns:a16="http://schemas.microsoft.com/office/drawing/2014/main" id="{2C46D0CA-6831-46C8-382D-8AC78BA7CC95}"/>
+                <a16:creationId xmlns:a16="http://schemas.microsoft.com/office/drawing/2014/main" id="{435E841C-FBA0-482A-3193-AC8252A3F0BF}"/>
               </a:ext>
             </a:extLst>
           </p:cNvPr>
@@ -658,7 +658,7 @@
           <a:bodyPr/>
           <a:lstStyle/>
           <a:p>
-            <a:fld id="{8017A240-87EB-4D77-AE3A-0ED74839D1EE}" type="datetimeFigureOut">
+            <a:fld id="{5C1A56A0-D082-4B6F-9474-715149C07278}" type="datetimeFigureOut">
               <a:rPr lang="zh-CN" altLang="en-US" smtClean="0"/>
               <a:t>2024/3/10</a:t>
             </a:fld>
@@ -671,7 +671,7 @@
           <p:cNvPr id="5" name="页脚占位符 4">
             <a:extLst>
               <a:ext uri="{FF2B5EF4-FFF2-40B4-BE49-F238E27FC236}">
-                <a16:creationId xmlns:a16="http://schemas.microsoft.com/office/drawing/2014/main" id="{7827D426-58E4-7CA5-5C63-F71583CB6165}"/>
+                <a16:creationId xmlns:a16="http://schemas.microsoft.com/office/drawing/2014/main" id="{E22BA7AC-3014-CC04-BD6E-F491962AD732}"/>
               </a:ext>
             </a:extLst>
           </p:cNvPr>
@@ -696,7 +696,7 @@
           <p:cNvPr id="6" name="灯片编号占位符 5">
             <a:extLst>
               <a:ext uri="{FF2B5EF4-FFF2-40B4-BE49-F238E27FC236}">
-                <a16:creationId xmlns:a16="http://schemas.microsoft.com/office/drawing/2014/main" id="{922D9B46-6FE3-E8ED-4D88-3055A845679C}"/>
+                <a16:creationId xmlns:a16="http://schemas.microsoft.com/office/drawing/2014/main" id="{94530484-8275-D58F-8B83-84DB3B5E65E2}"/>
               </a:ext>
             </a:extLst>
           </p:cNvPr>
@@ -712,7 +712,7 @@
           <a:bodyPr/>
           <a:lstStyle/>
           <a:p>
-            <a:fld id="{0AFBBD74-BFF0-41A7-B4B8-A0F2CDA4D2A3}" type="slidenum">
+            <a:fld id="{F8B3442F-0F36-4FE0-889B-D5138B5FEB28}" type="slidenum">
               <a:rPr lang="zh-CN" altLang="en-US" smtClean="0"/>
               <a:t>‹#›</a:t>
             </a:fld>
@@ -723,7 +723,7 @@
     </p:spTree>
     <p:extLst>
       <p:ext uri="{BB962C8B-B14F-4D97-AF65-F5344CB8AC3E}">
-        <p14:creationId xmlns:p14="http://schemas.microsoft.com/office/powerpoint/2010/main" val="3543193455"/>
+        <p14:creationId xmlns:p14="http://schemas.microsoft.com/office/powerpoint/2010/main" val="1307243573"/>
       </p:ext>
     </p:extLst>
   </p:cSld>
@@ -755,7 +755,7 @@
           <p:cNvPr id="2" name="标题 1">
             <a:extLst>
               <a:ext uri="{FF2B5EF4-FFF2-40B4-BE49-F238E27FC236}">
-                <a16:creationId xmlns:a16="http://schemas.microsoft.com/office/drawing/2014/main" id="{B4300E5B-7BCD-3C07-DF91-1FB40D978B38}"/>
+                <a16:creationId xmlns:a16="http://schemas.microsoft.com/office/drawing/2014/main" id="{DBF87616-6D86-5464-D6F1-E1FDD3D4E605}"/>
               </a:ext>
             </a:extLst>
           </p:cNvPr>
@@ -783,7 +783,7 @@
           <p:cNvPr id="3" name="内容占位符 2">
             <a:extLst>
               <a:ext uri="{FF2B5EF4-FFF2-40B4-BE49-F238E27FC236}">
-                <a16:creationId xmlns:a16="http://schemas.microsoft.com/office/drawing/2014/main" id="{822CE8F0-CF87-F28A-FFD6-C2104974E393}"/>
+                <a16:creationId xmlns:a16="http://schemas.microsoft.com/office/drawing/2014/main" id="{77CE3607-6857-3A7A-6A44-A8FCB631C6DE}"/>
               </a:ext>
             </a:extLst>
           </p:cNvPr>
@@ -840,7 +840,7 @@
           <p:cNvPr id="4" name="日期占位符 3">
             <a:extLst>
               <a:ext uri="{FF2B5EF4-FFF2-40B4-BE49-F238E27FC236}">
-                <a16:creationId xmlns:a16="http://schemas.microsoft.com/office/drawing/2014/main" id="{B779D0D9-E439-BBF0-CBD3-3D237F7799C7}"/>
+                <a16:creationId xmlns:a16="http://schemas.microsoft.com/office/drawing/2014/main" id="{EEEAF726-BF73-1319-36D0-AB595EF08CAB}"/>
               </a:ext>
             </a:extLst>
           </p:cNvPr>
@@ -856,7 +856,7 @@
           <a:bodyPr/>
           <a:lstStyle/>
           <a:p>
-            <a:fld id="{8017A240-87EB-4D77-AE3A-0ED74839D1EE}" type="datetimeFigureOut">
+            <a:fld id="{5C1A56A0-D082-4B6F-9474-715149C07278}" type="datetimeFigureOut">
               <a:rPr lang="zh-CN" altLang="en-US" smtClean="0"/>
               <a:t>2024/3/10</a:t>
             </a:fld>
@@ -869,7 +869,7 @@
           <p:cNvPr id="5" name="页脚占位符 4">
             <a:extLst>
               <a:ext uri="{FF2B5EF4-FFF2-40B4-BE49-F238E27FC236}">
-                <a16:creationId xmlns:a16="http://schemas.microsoft.com/office/drawing/2014/main" id="{0E9CF6BE-F0EB-29D9-AAE1-5206BEBD685B}"/>
+                <a16:creationId xmlns:a16="http://schemas.microsoft.com/office/drawing/2014/main" id="{576EB7A0-8454-834D-A492-BDB26962685F}"/>
               </a:ext>
             </a:extLst>
           </p:cNvPr>
@@ -894,7 +894,7 @@
           <p:cNvPr id="6" name="灯片编号占位符 5">
             <a:extLst>
               <a:ext uri="{FF2B5EF4-FFF2-40B4-BE49-F238E27FC236}">
-                <a16:creationId xmlns:a16="http://schemas.microsoft.com/office/drawing/2014/main" id="{3D32836E-7E73-7594-7658-2C757FAA68B2}"/>
+                <a16:creationId xmlns:a16="http://schemas.microsoft.com/office/drawing/2014/main" id="{E9FE159E-5D9D-7404-4A69-F7BAA586F1F8}"/>
               </a:ext>
             </a:extLst>
           </p:cNvPr>
@@ -910,7 +910,7 @@
           <a:bodyPr/>
           <a:lstStyle/>
           <a:p>
-            <a:fld id="{0AFBBD74-BFF0-41A7-B4B8-A0F2CDA4D2A3}" type="slidenum">
+            <a:fld id="{F8B3442F-0F36-4FE0-889B-D5138B5FEB28}" type="slidenum">
               <a:rPr lang="zh-CN" altLang="en-US" smtClean="0"/>
               <a:t>‹#›</a:t>
             </a:fld>
@@ -921,7 +921,7 @@
     </p:spTree>
     <p:extLst>
       <p:ext uri="{BB962C8B-B14F-4D97-AF65-F5344CB8AC3E}">
-        <p14:creationId xmlns:p14="http://schemas.microsoft.com/office/powerpoint/2010/main" val="1136296709"/>
+        <p14:creationId xmlns:p14="http://schemas.microsoft.com/office/powerpoint/2010/main" val="1728903008"/>
       </p:ext>
     </p:extLst>
   </p:cSld>
@@ -953,7 +953,7 @@
           <p:cNvPr id="2" name="标题 1">
             <a:extLst>
               <a:ext uri="{FF2B5EF4-FFF2-40B4-BE49-F238E27FC236}">
-                <a16:creationId xmlns:a16="http://schemas.microsoft.com/office/drawing/2014/main" id="{77D9620D-674D-20CA-2857-E8D22BF8BD45}"/>
+                <a16:creationId xmlns:a16="http://schemas.microsoft.com/office/drawing/2014/main" id="{F2F63FA4-D127-1EC9-DF0A-4F0E3587CA7A}"/>
               </a:ext>
             </a:extLst>
           </p:cNvPr>
@@ -990,7 +990,7 @@
           <p:cNvPr id="3" name="文本占位符 2">
             <a:extLst>
               <a:ext uri="{FF2B5EF4-FFF2-40B4-BE49-F238E27FC236}">
-                <a16:creationId xmlns:a16="http://schemas.microsoft.com/office/drawing/2014/main" id="{F99C64BF-3B35-DE88-42C9-217C2D72AAD4}"/>
+                <a16:creationId xmlns:a16="http://schemas.microsoft.com/office/drawing/2014/main" id="{B080BEF7-EB3D-A2EB-9CBF-D624760101F8}"/>
               </a:ext>
             </a:extLst>
           </p:cNvPr>
@@ -1115,7 +1115,7 @@
           <p:cNvPr id="4" name="日期占位符 3">
             <a:extLst>
               <a:ext uri="{FF2B5EF4-FFF2-40B4-BE49-F238E27FC236}">
-                <a16:creationId xmlns:a16="http://schemas.microsoft.com/office/drawing/2014/main" id="{754EB760-02F6-0183-6FA2-BA134E9B4FDB}"/>
+                <a16:creationId xmlns:a16="http://schemas.microsoft.com/office/drawing/2014/main" id="{902F8074-E462-86B1-EAE6-EEB45485BAEA}"/>
               </a:ext>
             </a:extLst>
           </p:cNvPr>
@@ -1131,7 +1131,7 @@
           <a:bodyPr/>
           <a:lstStyle/>
           <a:p>
-            <a:fld id="{8017A240-87EB-4D77-AE3A-0ED74839D1EE}" type="datetimeFigureOut">
+            <a:fld id="{5C1A56A0-D082-4B6F-9474-715149C07278}" type="datetimeFigureOut">
               <a:rPr lang="zh-CN" altLang="en-US" smtClean="0"/>
               <a:t>2024/3/10</a:t>
             </a:fld>
@@ -1144,7 +1144,7 @@
           <p:cNvPr id="5" name="页脚占位符 4">
             <a:extLst>
               <a:ext uri="{FF2B5EF4-FFF2-40B4-BE49-F238E27FC236}">
-                <a16:creationId xmlns:a16="http://schemas.microsoft.com/office/drawing/2014/main" id="{25BE7E2C-EF5D-90F8-5793-A7E016E3D099}"/>
+                <a16:creationId xmlns:a16="http://schemas.microsoft.com/office/drawing/2014/main" id="{CBA008E9-44F8-B0F8-676B-66E450A174DD}"/>
               </a:ext>
             </a:extLst>
           </p:cNvPr>
@@ -1169,7 +1169,7 @@
           <p:cNvPr id="6" name="灯片编号占位符 5">
             <a:extLst>
               <a:ext uri="{FF2B5EF4-FFF2-40B4-BE49-F238E27FC236}">
-                <a16:creationId xmlns:a16="http://schemas.microsoft.com/office/drawing/2014/main" id="{4359469E-6F61-00FE-42EA-B32A0419FF77}"/>
+                <a16:creationId xmlns:a16="http://schemas.microsoft.com/office/drawing/2014/main" id="{0F9040BF-0495-B87D-F3A1-4610C1389856}"/>
               </a:ext>
             </a:extLst>
           </p:cNvPr>
@@ -1185,7 +1185,7 @@
           <a:bodyPr/>
           <a:lstStyle/>
           <a:p>
-            <a:fld id="{0AFBBD74-BFF0-41A7-B4B8-A0F2CDA4D2A3}" type="slidenum">
+            <a:fld id="{F8B3442F-0F36-4FE0-889B-D5138B5FEB28}" type="slidenum">
               <a:rPr lang="zh-CN" altLang="en-US" smtClean="0"/>
               <a:t>‹#›</a:t>
             </a:fld>
@@ -1196,7 +1196,7 @@
     </p:spTree>
     <p:extLst>
       <p:ext uri="{BB962C8B-B14F-4D97-AF65-F5344CB8AC3E}">
-        <p14:creationId xmlns:p14="http://schemas.microsoft.com/office/powerpoint/2010/main" val="164338531"/>
+        <p14:creationId xmlns:p14="http://schemas.microsoft.com/office/powerpoint/2010/main" val="1853654503"/>
       </p:ext>
     </p:extLst>
   </p:cSld>
@@ -1228,7 +1228,7 @@
           <p:cNvPr id="2" name="标题 1">
             <a:extLst>
               <a:ext uri="{FF2B5EF4-FFF2-40B4-BE49-F238E27FC236}">
-                <a16:creationId xmlns:a16="http://schemas.microsoft.com/office/drawing/2014/main" id="{19AFDD97-95EE-8919-3523-1BB023C189A1}"/>
+                <a16:creationId xmlns:a16="http://schemas.microsoft.com/office/drawing/2014/main" id="{4F6289C2-9FC4-99F9-7CB7-7A302FF09F7B}"/>
               </a:ext>
             </a:extLst>
           </p:cNvPr>
@@ -1256,7 +1256,7 @@
           <p:cNvPr id="3" name="内容占位符 2">
             <a:extLst>
               <a:ext uri="{FF2B5EF4-FFF2-40B4-BE49-F238E27FC236}">
-                <a16:creationId xmlns:a16="http://schemas.microsoft.com/office/drawing/2014/main" id="{7A6AB6DA-4B60-45FD-140C-6EE8D0B2E678}"/>
+                <a16:creationId xmlns:a16="http://schemas.microsoft.com/office/drawing/2014/main" id="{2BA3CB46-158B-9CA2-4440-B843923B9B4F}"/>
               </a:ext>
             </a:extLst>
           </p:cNvPr>
@@ -1318,7 +1318,7 @@
           <p:cNvPr id="4" name="内容占位符 3">
             <a:extLst>
               <a:ext uri="{FF2B5EF4-FFF2-40B4-BE49-F238E27FC236}">
-                <a16:creationId xmlns:a16="http://schemas.microsoft.com/office/drawing/2014/main" id="{1BAC880E-DE63-7243-2FDE-FE5678CBE85C}"/>
+                <a16:creationId xmlns:a16="http://schemas.microsoft.com/office/drawing/2014/main" id="{FE4A26EC-1F70-22C8-B47C-6EAD81F805BF}"/>
               </a:ext>
             </a:extLst>
           </p:cNvPr>
@@ -1380,7 +1380,7 @@
           <p:cNvPr id="5" name="日期占位符 4">
             <a:extLst>
               <a:ext uri="{FF2B5EF4-FFF2-40B4-BE49-F238E27FC236}">
-                <a16:creationId xmlns:a16="http://schemas.microsoft.com/office/drawing/2014/main" id="{0E298759-83AF-2033-D117-9A62C19F0955}"/>
+                <a16:creationId xmlns:a16="http://schemas.microsoft.com/office/drawing/2014/main" id="{C2838944-3EBA-5F33-7AF7-7E3CF2015F5D}"/>
               </a:ext>
             </a:extLst>
           </p:cNvPr>
@@ -1396,7 +1396,7 @@
           <a:bodyPr/>
           <a:lstStyle/>
           <a:p>
-            <a:fld id="{8017A240-87EB-4D77-AE3A-0ED74839D1EE}" type="datetimeFigureOut">
+            <a:fld id="{5C1A56A0-D082-4B6F-9474-715149C07278}" type="datetimeFigureOut">
               <a:rPr lang="zh-CN" altLang="en-US" smtClean="0"/>
               <a:t>2024/3/10</a:t>
             </a:fld>
@@ -1409,7 +1409,7 @@
           <p:cNvPr id="6" name="页脚占位符 5">
             <a:extLst>
               <a:ext uri="{FF2B5EF4-FFF2-40B4-BE49-F238E27FC236}">
-                <a16:creationId xmlns:a16="http://schemas.microsoft.com/office/drawing/2014/main" id="{9B90F87C-9AAB-8B4D-018E-AFE327A8A4FD}"/>
+                <a16:creationId xmlns:a16="http://schemas.microsoft.com/office/drawing/2014/main" id="{3AC78401-9B14-8FA9-2526-55AF2CE18934}"/>
               </a:ext>
             </a:extLst>
           </p:cNvPr>
@@ -1434,7 +1434,7 @@
           <p:cNvPr id="7" name="灯片编号占位符 6">
             <a:extLst>
               <a:ext uri="{FF2B5EF4-FFF2-40B4-BE49-F238E27FC236}">
-                <a16:creationId xmlns:a16="http://schemas.microsoft.com/office/drawing/2014/main" id="{86901903-9183-E0D6-CB3A-F49A1B9E2213}"/>
+                <a16:creationId xmlns:a16="http://schemas.microsoft.com/office/drawing/2014/main" id="{814BB7CE-601D-549D-9B56-1F3922C28D2E}"/>
               </a:ext>
             </a:extLst>
           </p:cNvPr>
@@ -1450,7 +1450,7 @@
           <a:bodyPr/>
           <a:lstStyle/>
           <a:p>
-            <a:fld id="{0AFBBD74-BFF0-41A7-B4B8-A0F2CDA4D2A3}" type="slidenum">
+            <a:fld id="{F8B3442F-0F36-4FE0-889B-D5138B5FEB28}" type="slidenum">
               <a:rPr lang="zh-CN" altLang="en-US" smtClean="0"/>
               <a:t>‹#›</a:t>
             </a:fld>
@@ -1461,7 +1461,7 @@
     </p:spTree>
     <p:extLst>
       <p:ext uri="{BB962C8B-B14F-4D97-AF65-F5344CB8AC3E}">
-        <p14:creationId xmlns:p14="http://schemas.microsoft.com/office/powerpoint/2010/main" val="1041355902"/>
+        <p14:creationId xmlns:p14="http://schemas.microsoft.com/office/powerpoint/2010/main" val="2791988465"/>
       </p:ext>
     </p:extLst>
   </p:cSld>
@@ -1493,7 +1493,7 @@
           <p:cNvPr id="2" name="标题 1">
             <a:extLst>
               <a:ext uri="{FF2B5EF4-FFF2-40B4-BE49-F238E27FC236}">
-                <a16:creationId xmlns:a16="http://schemas.microsoft.com/office/drawing/2014/main" id="{76080DB8-EA8A-B49A-7CAA-72A029289C9A}"/>
+                <a16:creationId xmlns:a16="http://schemas.microsoft.com/office/drawing/2014/main" id="{ED46441C-FDBE-E8F0-C2DE-AEAFB28F4BAB}"/>
               </a:ext>
             </a:extLst>
           </p:cNvPr>
@@ -1526,7 +1526,7 @@
           <p:cNvPr id="3" name="文本占位符 2">
             <a:extLst>
               <a:ext uri="{FF2B5EF4-FFF2-40B4-BE49-F238E27FC236}">
-                <a16:creationId xmlns:a16="http://schemas.microsoft.com/office/drawing/2014/main" id="{34EF689B-B046-3992-D520-4B88FFB55FCF}"/>
+                <a16:creationId xmlns:a16="http://schemas.microsoft.com/office/drawing/2014/main" id="{AE6AD83B-5210-3402-517E-3D4DBE2D1E1E}"/>
               </a:ext>
             </a:extLst>
           </p:cNvPr>
@@ -1597,7 +1597,7 @@
           <p:cNvPr id="4" name="内容占位符 3">
             <a:extLst>
               <a:ext uri="{FF2B5EF4-FFF2-40B4-BE49-F238E27FC236}">
-                <a16:creationId xmlns:a16="http://schemas.microsoft.com/office/drawing/2014/main" id="{5A694E95-5801-7396-CA03-7B854B886DFC}"/>
+                <a16:creationId xmlns:a16="http://schemas.microsoft.com/office/drawing/2014/main" id="{6B33D200-4AE4-14EF-1536-617BF9F1678C}"/>
               </a:ext>
             </a:extLst>
           </p:cNvPr>
@@ -1659,7 +1659,7 @@
           <p:cNvPr id="5" name="文本占位符 4">
             <a:extLst>
               <a:ext uri="{FF2B5EF4-FFF2-40B4-BE49-F238E27FC236}">
-                <a16:creationId xmlns:a16="http://schemas.microsoft.com/office/drawing/2014/main" id="{D4B87EAE-07FD-7E35-2A63-E7791C15B10A}"/>
+                <a16:creationId xmlns:a16="http://schemas.microsoft.com/office/drawing/2014/main" id="{0406EC7E-AB29-71BE-265E-CA98FDB21C17}"/>
               </a:ext>
             </a:extLst>
           </p:cNvPr>
@@ -1730,7 +1730,7 @@
           <p:cNvPr id="6" name="内容占位符 5">
             <a:extLst>
               <a:ext uri="{FF2B5EF4-FFF2-40B4-BE49-F238E27FC236}">
-                <a16:creationId xmlns:a16="http://schemas.microsoft.com/office/drawing/2014/main" id="{CF1BA814-3130-3192-361E-D7FDB467F90B}"/>
+                <a16:creationId xmlns:a16="http://schemas.microsoft.com/office/drawing/2014/main" id="{7724AC45-5B09-EC6B-4957-07740E5F28A8}"/>
               </a:ext>
             </a:extLst>
           </p:cNvPr>
@@ -1792,7 +1792,7 @@
           <p:cNvPr id="7" name="日期占位符 6">
             <a:extLst>
               <a:ext uri="{FF2B5EF4-FFF2-40B4-BE49-F238E27FC236}">
-                <a16:creationId xmlns:a16="http://schemas.microsoft.com/office/drawing/2014/main" id="{7662985F-DBCD-CFD5-E242-47CA6D753C55}"/>
+                <a16:creationId xmlns:a16="http://schemas.microsoft.com/office/drawing/2014/main" id="{89891114-77BE-A646-3D66-0687FFB774C5}"/>
               </a:ext>
             </a:extLst>
           </p:cNvPr>
@@ -1808,7 +1808,7 @@
           <a:bodyPr/>
           <a:lstStyle/>
           <a:p>
-            <a:fld id="{8017A240-87EB-4D77-AE3A-0ED74839D1EE}" type="datetimeFigureOut">
+            <a:fld id="{5C1A56A0-D082-4B6F-9474-715149C07278}" type="datetimeFigureOut">
               <a:rPr lang="zh-CN" altLang="en-US" smtClean="0"/>
               <a:t>2024/3/10</a:t>
             </a:fld>
@@ -1821,7 +1821,7 @@
           <p:cNvPr id="8" name="页脚占位符 7">
             <a:extLst>
               <a:ext uri="{FF2B5EF4-FFF2-40B4-BE49-F238E27FC236}">
-                <a16:creationId xmlns:a16="http://schemas.microsoft.com/office/drawing/2014/main" id="{994F24E0-5DE9-4E73-FC96-5AC89A234DF3}"/>
+                <a16:creationId xmlns:a16="http://schemas.microsoft.com/office/drawing/2014/main" id="{1129F42B-30E1-1800-8736-AF51E6859A21}"/>
               </a:ext>
             </a:extLst>
           </p:cNvPr>
@@ -1846,7 +1846,7 @@
           <p:cNvPr id="9" name="灯片编号占位符 8">
             <a:extLst>
               <a:ext uri="{FF2B5EF4-FFF2-40B4-BE49-F238E27FC236}">
-                <a16:creationId xmlns:a16="http://schemas.microsoft.com/office/drawing/2014/main" id="{A4D28140-A146-FEC4-5917-3075543E776A}"/>
+                <a16:creationId xmlns:a16="http://schemas.microsoft.com/office/drawing/2014/main" id="{6EBB7B12-DEEC-4B89-96C4-F4EB70F009B8}"/>
               </a:ext>
             </a:extLst>
           </p:cNvPr>
@@ -1862,7 +1862,7 @@
           <a:bodyPr/>
           <a:lstStyle/>
           <a:p>
-            <a:fld id="{0AFBBD74-BFF0-41A7-B4B8-A0F2CDA4D2A3}" type="slidenum">
+            <a:fld id="{F8B3442F-0F36-4FE0-889B-D5138B5FEB28}" type="slidenum">
               <a:rPr lang="zh-CN" altLang="en-US" smtClean="0"/>
               <a:t>‹#›</a:t>
             </a:fld>
@@ -1873,7 +1873,7 @@
     </p:spTree>
     <p:extLst>
       <p:ext uri="{BB962C8B-B14F-4D97-AF65-F5344CB8AC3E}">
-        <p14:creationId xmlns:p14="http://schemas.microsoft.com/office/powerpoint/2010/main" val="3186383872"/>
+        <p14:creationId xmlns:p14="http://schemas.microsoft.com/office/powerpoint/2010/main" val="132403540"/>
       </p:ext>
     </p:extLst>
   </p:cSld>
@@ -1905,7 +1905,7 @@
           <p:cNvPr id="2" name="标题 1">
             <a:extLst>
               <a:ext uri="{FF2B5EF4-FFF2-40B4-BE49-F238E27FC236}">
-                <a16:creationId xmlns:a16="http://schemas.microsoft.com/office/drawing/2014/main" id="{083FA28C-740A-8072-FF94-F64CEA4C213A}"/>
+                <a16:creationId xmlns:a16="http://schemas.microsoft.com/office/drawing/2014/main" id="{14D3A5F4-2928-2B26-C9A3-153D568AEA23}"/>
               </a:ext>
             </a:extLst>
           </p:cNvPr>
@@ -1933,7 +1933,7 @@
           <p:cNvPr id="3" name="日期占位符 2">
             <a:extLst>
               <a:ext uri="{FF2B5EF4-FFF2-40B4-BE49-F238E27FC236}">
-                <a16:creationId xmlns:a16="http://schemas.microsoft.com/office/drawing/2014/main" id="{BEB9D2E5-0A88-747D-571A-8BA008C33560}"/>
+                <a16:creationId xmlns:a16="http://schemas.microsoft.com/office/drawing/2014/main" id="{63A6FB7F-EF26-9D30-B378-D7B675C5D7DF}"/>
               </a:ext>
             </a:extLst>
           </p:cNvPr>
@@ -1949,7 +1949,7 @@
           <a:bodyPr/>
           <a:lstStyle/>
           <a:p>
-            <a:fld id="{8017A240-87EB-4D77-AE3A-0ED74839D1EE}" type="datetimeFigureOut">
+            <a:fld id="{5C1A56A0-D082-4B6F-9474-715149C07278}" type="datetimeFigureOut">
               <a:rPr lang="zh-CN" altLang="en-US" smtClean="0"/>
               <a:t>2024/3/10</a:t>
             </a:fld>
@@ -1962,7 +1962,7 @@
           <p:cNvPr id="4" name="页脚占位符 3">
             <a:extLst>
               <a:ext uri="{FF2B5EF4-FFF2-40B4-BE49-F238E27FC236}">
-                <a16:creationId xmlns:a16="http://schemas.microsoft.com/office/drawing/2014/main" id="{1FAC3FEE-C0E4-7818-DEF9-50C216C2F6A2}"/>
+                <a16:creationId xmlns:a16="http://schemas.microsoft.com/office/drawing/2014/main" id="{58B4ECF5-8B6B-47E5-4FB8-0134899C75B6}"/>
               </a:ext>
             </a:extLst>
           </p:cNvPr>
@@ -1987,7 +1987,7 @@
           <p:cNvPr id="5" name="灯片编号占位符 4">
             <a:extLst>
               <a:ext uri="{FF2B5EF4-FFF2-40B4-BE49-F238E27FC236}">
-                <a16:creationId xmlns:a16="http://schemas.microsoft.com/office/drawing/2014/main" id="{08627F93-8C34-55DC-DD75-41092555D7CB}"/>
+                <a16:creationId xmlns:a16="http://schemas.microsoft.com/office/drawing/2014/main" id="{4B68E863-AB9A-A6A8-352C-58603173533C}"/>
               </a:ext>
             </a:extLst>
           </p:cNvPr>
@@ -2003,7 +2003,7 @@
           <a:bodyPr/>
           <a:lstStyle/>
           <a:p>
-            <a:fld id="{0AFBBD74-BFF0-41A7-B4B8-A0F2CDA4D2A3}" type="slidenum">
+            <a:fld id="{F8B3442F-0F36-4FE0-889B-D5138B5FEB28}" type="slidenum">
               <a:rPr lang="zh-CN" altLang="en-US" smtClean="0"/>
               <a:t>‹#›</a:t>
             </a:fld>
@@ -2014,7 +2014,7 @@
     </p:spTree>
     <p:extLst>
       <p:ext uri="{BB962C8B-B14F-4D97-AF65-F5344CB8AC3E}">
-        <p14:creationId xmlns:p14="http://schemas.microsoft.com/office/powerpoint/2010/main" val="2520002870"/>
+        <p14:creationId xmlns:p14="http://schemas.microsoft.com/office/powerpoint/2010/main" val="1285013825"/>
       </p:ext>
     </p:extLst>
   </p:cSld>
@@ -2046,7 +2046,7 @@
           <p:cNvPr id="2" name="日期占位符 1">
             <a:extLst>
               <a:ext uri="{FF2B5EF4-FFF2-40B4-BE49-F238E27FC236}">
-                <a16:creationId xmlns:a16="http://schemas.microsoft.com/office/drawing/2014/main" id="{2BB5001F-B623-E4B7-231E-A0B56EDA6BFF}"/>
+                <a16:creationId xmlns:a16="http://schemas.microsoft.com/office/drawing/2014/main" id="{06C4951B-37C9-6A1A-4586-5D3B896F93E7}"/>
               </a:ext>
             </a:extLst>
           </p:cNvPr>
@@ -2062,7 +2062,7 @@
           <a:bodyPr/>
           <a:lstStyle/>
           <a:p>
-            <a:fld id="{8017A240-87EB-4D77-AE3A-0ED74839D1EE}" type="datetimeFigureOut">
+            <a:fld id="{5C1A56A0-D082-4B6F-9474-715149C07278}" type="datetimeFigureOut">
               <a:rPr lang="zh-CN" altLang="en-US" smtClean="0"/>
               <a:t>2024/3/10</a:t>
             </a:fld>
@@ -2075,7 +2075,7 @@
           <p:cNvPr id="3" name="页脚占位符 2">
             <a:extLst>
               <a:ext uri="{FF2B5EF4-FFF2-40B4-BE49-F238E27FC236}">
-                <a16:creationId xmlns:a16="http://schemas.microsoft.com/office/drawing/2014/main" id="{75878E88-002F-1CAA-D586-0B4835C63286}"/>
+                <a16:creationId xmlns:a16="http://schemas.microsoft.com/office/drawing/2014/main" id="{C835FE2C-56B6-F8AC-3DE8-96800E327679}"/>
               </a:ext>
             </a:extLst>
           </p:cNvPr>
@@ -2100,7 +2100,7 @@
           <p:cNvPr id="4" name="灯片编号占位符 3">
             <a:extLst>
               <a:ext uri="{FF2B5EF4-FFF2-40B4-BE49-F238E27FC236}">
-                <a16:creationId xmlns:a16="http://schemas.microsoft.com/office/drawing/2014/main" id="{B76D7548-8EA7-5A31-78EF-033023503AB1}"/>
+                <a16:creationId xmlns:a16="http://schemas.microsoft.com/office/drawing/2014/main" id="{5FF0545D-C766-8A3B-F150-FF8F87C9AC48}"/>
               </a:ext>
             </a:extLst>
           </p:cNvPr>
@@ -2116,7 +2116,7 @@
           <a:bodyPr/>
           <a:lstStyle/>
           <a:p>
-            <a:fld id="{0AFBBD74-BFF0-41A7-B4B8-A0F2CDA4D2A3}" type="slidenum">
+            <a:fld id="{F8B3442F-0F36-4FE0-889B-D5138B5FEB28}" type="slidenum">
               <a:rPr lang="zh-CN" altLang="en-US" smtClean="0"/>
               <a:t>‹#›</a:t>
             </a:fld>
@@ -2127,7 +2127,7 @@
     </p:spTree>
     <p:extLst>
       <p:ext uri="{BB962C8B-B14F-4D97-AF65-F5344CB8AC3E}">
-        <p14:creationId xmlns:p14="http://schemas.microsoft.com/office/powerpoint/2010/main" val="3093113112"/>
+        <p14:creationId xmlns:p14="http://schemas.microsoft.com/office/powerpoint/2010/main" val="3666668239"/>
       </p:ext>
     </p:extLst>
   </p:cSld>
@@ -2159,7 +2159,7 @@
           <p:cNvPr id="2" name="标题 1">
             <a:extLst>
               <a:ext uri="{FF2B5EF4-FFF2-40B4-BE49-F238E27FC236}">
-                <a16:creationId xmlns:a16="http://schemas.microsoft.com/office/drawing/2014/main" id="{6B0FD2E9-748A-EF77-274E-10CB48BB5A29}"/>
+                <a16:creationId xmlns:a16="http://schemas.microsoft.com/office/drawing/2014/main" id="{5F82E95F-9950-3C45-87C3-6C0EB6E5617D}"/>
               </a:ext>
             </a:extLst>
           </p:cNvPr>
@@ -2196,7 +2196,7 @@
           <p:cNvPr id="3" name="内容占位符 2">
             <a:extLst>
               <a:ext uri="{FF2B5EF4-FFF2-40B4-BE49-F238E27FC236}">
-                <a16:creationId xmlns:a16="http://schemas.microsoft.com/office/drawing/2014/main" id="{D209FF28-610C-7405-59D0-25F90FD39AE3}"/>
+                <a16:creationId xmlns:a16="http://schemas.microsoft.com/office/drawing/2014/main" id="{A6AAEE58-9E28-F511-C1FC-84F5FF790612}"/>
               </a:ext>
             </a:extLst>
           </p:cNvPr>
@@ -2286,7 +2286,7 @@
           <p:cNvPr id="4" name="文本占位符 3">
             <a:extLst>
               <a:ext uri="{FF2B5EF4-FFF2-40B4-BE49-F238E27FC236}">
-                <a16:creationId xmlns:a16="http://schemas.microsoft.com/office/drawing/2014/main" id="{E522C87C-97C6-7279-3615-14659C870687}"/>
+                <a16:creationId xmlns:a16="http://schemas.microsoft.com/office/drawing/2014/main" id="{C52E46EF-2FFE-F7C1-77C0-F6C8364E4A4C}"/>
               </a:ext>
             </a:extLst>
           </p:cNvPr>
@@ -2357,7 +2357,7 @@
           <p:cNvPr id="5" name="日期占位符 4">
             <a:extLst>
               <a:ext uri="{FF2B5EF4-FFF2-40B4-BE49-F238E27FC236}">
-                <a16:creationId xmlns:a16="http://schemas.microsoft.com/office/drawing/2014/main" id="{7398093E-BAE3-3B7A-0FA0-67D8EAD28E46}"/>
+                <a16:creationId xmlns:a16="http://schemas.microsoft.com/office/drawing/2014/main" id="{2C07DB16-F025-5D36-DE94-1FFE7A1ADA2B}"/>
               </a:ext>
             </a:extLst>
           </p:cNvPr>
@@ -2373,7 +2373,7 @@
           <a:bodyPr/>
           <a:lstStyle/>
           <a:p>
-            <a:fld id="{8017A240-87EB-4D77-AE3A-0ED74839D1EE}" type="datetimeFigureOut">
+            <a:fld id="{5C1A56A0-D082-4B6F-9474-715149C07278}" type="datetimeFigureOut">
               <a:rPr lang="zh-CN" altLang="en-US" smtClean="0"/>
               <a:t>2024/3/10</a:t>
             </a:fld>
@@ -2386,7 +2386,7 @@
           <p:cNvPr id="6" name="页脚占位符 5">
             <a:extLst>
               <a:ext uri="{FF2B5EF4-FFF2-40B4-BE49-F238E27FC236}">
-                <a16:creationId xmlns:a16="http://schemas.microsoft.com/office/drawing/2014/main" id="{473A9DDF-958D-DE36-6E42-F78CA454A911}"/>
+                <a16:creationId xmlns:a16="http://schemas.microsoft.com/office/drawing/2014/main" id="{770098C9-8F1B-7200-DD2D-849A9B61E0F0}"/>
               </a:ext>
             </a:extLst>
           </p:cNvPr>
@@ -2411,7 +2411,7 @@
           <p:cNvPr id="7" name="灯片编号占位符 6">
             <a:extLst>
               <a:ext uri="{FF2B5EF4-FFF2-40B4-BE49-F238E27FC236}">
-                <a16:creationId xmlns:a16="http://schemas.microsoft.com/office/drawing/2014/main" id="{93F2E440-6199-8196-11E7-65735D0AC647}"/>
+                <a16:creationId xmlns:a16="http://schemas.microsoft.com/office/drawing/2014/main" id="{5D7A4056-2454-4F15-FC78-AAA53DCF7ED7}"/>
               </a:ext>
             </a:extLst>
           </p:cNvPr>
@@ -2427,7 +2427,7 @@
           <a:bodyPr/>
           <a:lstStyle/>
           <a:p>
-            <a:fld id="{0AFBBD74-BFF0-41A7-B4B8-A0F2CDA4D2A3}" type="slidenum">
+            <a:fld id="{F8B3442F-0F36-4FE0-889B-D5138B5FEB28}" type="slidenum">
               <a:rPr lang="zh-CN" altLang="en-US" smtClean="0"/>
               <a:t>‹#›</a:t>
             </a:fld>
@@ -2438,7 +2438,7 @@
     </p:spTree>
     <p:extLst>
       <p:ext uri="{BB962C8B-B14F-4D97-AF65-F5344CB8AC3E}">
-        <p14:creationId xmlns:p14="http://schemas.microsoft.com/office/powerpoint/2010/main" val="1466849256"/>
+        <p14:creationId xmlns:p14="http://schemas.microsoft.com/office/powerpoint/2010/main" val="1923733327"/>
       </p:ext>
     </p:extLst>
   </p:cSld>
@@ -2470,7 +2470,7 @@
           <p:cNvPr id="2" name="标题 1">
             <a:extLst>
               <a:ext uri="{FF2B5EF4-FFF2-40B4-BE49-F238E27FC236}">
-                <a16:creationId xmlns:a16="http://schemas.microsoft.com/office/drawing/2014/main" id="{9B01E681-18EA-8253-82E3-12975F571274}"/>
+                <a16:creationId xmlns:a16="http://schemas.microsoft.com/office/drawing/2014/main" id="{77D6ED9C-CE95-B0AF-F3E8-563B03276A32}"/>
               </a:ext>
             </a:extLst>
           </p:cNvPr>
@@ -2507,7 +2507,7 @@
           <p:cNvPr id="3" name="图片占位符 2">
             <a:extLst>
               <a:ext uri="{FF2B5EF4-FFF2-40B4-BE49-F238E27FC236}">
-                <a16:creationId xmlns:a16="http://schemas.microsoft.com/office/drawing/2014/main" id="{DF02B1BC-19D7-77A5-E226-751C36BFB6A4}"/>
+                <a16:creationId xmlns:a16="http://schemas.microsoft.com/office/drawing/2014/main" id="{4C6A6D71-F77B-FACD-93A8-8B36BF9FE0D8}"/>
               </a:ext>
             </a:extLst>
           </p:cNvPr>
@@ -2574,7 +2574,7 @@
           <p:cNvPr id="4" name="文本占位符 3">
             <a:extLst>
               <a:ext uri="{FF2B5EF4-FFF2-40B4-BE49-F238E27FC236}">
-                <a16:creationId xmlns:a16="http://schemas.microsoft.com/office/drawing/2014/main" id="{291CEDC6-3D06-C4C3-C271-DF2EC01808EC}"/>
+                <a16:creationId xmlns:a16="http://schemas.microsoft.com/office/drawing/2014/main" id="{E5CBD17A-491A-C616-4E70-473284C79628}"/>
               </a:ext>
             </a:extLst>
           </p:cNvPr>
@@ -2645,7 +2645,7 @@
           <p:cNvPr id="5" name="日期占位符 4">
             <a:extLst>
               <a:ext uri="{FF2B5EF4-FFF2-40B4-BE49-F238E27FC236}">
-                <a16:creationId xmlns:a16="http://schemas.microsoft.com/office/drawing/2014/main" id="{A7283A5F-CE9D-DB66-4DA4-0AAAB6C1B25A}"/>
+                <a16:creationId xmlns:a16="http://schemas.microsoft.com/office/drawing/2014/main" id="{468FD025-8034-8B2A-FD44-B72F21A025D7}"/>
               </a:ext>
             </a:extLst>
           </p:cNvPr>
@@ -2661,7 +2661,7 @@
           <a:bodyPr/>
           <a:lstStyle/>
           <a:p>
-            <a:fld id="{8017A240-87EB-4D77-AE3A-0ED74839D1EE}" type="datetimeFigureOut">
+            <a:fld id="{5C1A56A0-D082-4B6F-9474-715149C07278}" type="datetimeFigureOut">
               <a:rPr lang="zh-CN" altLang="en-US" smtClean="0"/>
               <a:t>2024/3/10</a:t>
             </a:fld>
@@ -2674,7 +2674,7 @@
           <p:cNvPr id="6" name="页脚占位符 5">
             <a:extLst>
               <a:ext uri="{FF2B5EF4-FFF2-40B4-BE49-F238E27FC236}">
-                <a16:creationId xmlns:a16="http://schemas.microsoft.com/office/drawing/2014/main" id="{A80107BA-071B-0E72-6BEF-D0C53332BEE5}"/>
+                <a16:creationId xmlns:a16="http://schemas.microsoft.com/office/drawing/2014/main" id="{EAC585EC-8497-8E96-663A-63B9F58E7997}"/>
               </a:ext>
             </a:extLst>
           </p:cNvPr>
@@ -2699,7 +2699,7 @@
           <p:cNvPr id="7" name="灯片编号占位符 6">
             <a:extLst>
               <a:ext uri="{FF2B5EF4-FFF2-40B4-BE49-F238E27FC236}">
-                <a16:creationId xmlns:a16="http://schemas.microsoft.com/office/drawing/2014/main" id="{F30A6F0E-EC13-FFEB-35EC-3B95BCCD288E}"/>
+                <a16:creationId xmlns:a16="http://schemas.microsoft.com/office/drawing/2014/main" id="{0F3DC27A-FED6-16AE-8672-C8BB2EC366DA}"/>
               </a:ext>
             </a:extLst>
           </p:cNvPr>
@@ -2715,7 +2715,7 @@
           <a:bodyPr/>
           <a:lstStyle/>
           <a:p>
-            <a:fld id="{0AFBBD74-BFF0-41A7-B4B8-A0F2CDA4D2A3}" type="slidenum">
+            <a:fld id="{F8B3442F-0F36-4FE0-889B-D5138B5FEB28}" type="slidenum">
               <a:rPr lang="zh-CN" altLang="en-US" smtClean="0"/>
               <a:t>‹#›</a:t>
             </a:fld>
@@ -2726,7 +2726,7 @@
     </p:spTree>
     <p:extLst>
       <p:ext uri="{BB962C8B-B14F-4D97-AF65-F5344CB8AC3E}">
-        <p14:creationId xmlns:p14="http://schemas.microsoft.com/office/powerpoint/2010/main" val="2532619027"/>
+        <p14:creationId xmlns:p14="http://schemas.microsoft.com/office/powerpoint/2010/main" val="3465270970"/>
       </p:ext>
     </p:extLst>
   </p:cSld>
@@ -2763,7 +2763,7 @@
           <p:cNvPr id="2" name="标题占位符 1">
             <a:extLst>
               <a:ext uri="{FF2B5EF4-FFF2-40B4-BE49-F238E27FC236}">
-                <a16:creationId xmlns:a16="http://schemas.microsoft.com/office/drawing/2014/main" id="{4E2C8521-3D38-BF88-3BE6-E62D20B17E35}"/>
+                <a16:creationId xmlns:a16="http://schemas.microsoft.com/office/drawing/2014/main" id="{FA20FC47-296A-AEB8-2061-E4B67699794E}"/>
               </a:ext>
             </a:extLst>
           </p:cNvPr>
@@ -2801,7 +2801,7 @@
           <p:cNvPr id="3" name="文本占位符 2">
             <a:extLst>
               <a:ext uri="{FF2B5EF4-FFF2-40B4-BE49-F238E27FC236}">
-                <a16:creationId xmlns:a16="http://schemas.microsoft.com/office/drawing/2014/main" id="{5E3CCF89-D118-212D-EDDE-09E50C9C5330}"/>
+                <a16:creationId xmlns:a16="http://schemas.microsoft.com/office/drawing/2014/main" id="{49AE9F07-7186-7138-B9FD-A7FE35346857}"/>
               </a:ext>
             </a:extLst>
           </p:cNvPr>
@@ -2868,7 +2868,7 @@
           <p:cNvPr id="4" name="日期占位符 3">
             <a:extLst>
               <a:ext uri="{FF2B5EF4-FFF2-40B4-BE49-F238E27FC236}">
-                <a16:creationId xmlns:a16="http://schemas.microsoft.com/office/drawing/2014/main" id="{C0B8F539-99D7-E235-3241-E5414AA42FA0}"/>
+                <a16:creationId xmlns:a16="http://schemas.microsoft.com/office/drawing/2014/main" id="{571FFB2B-916E-5D60-DE02-BAAF16B34D7E}"/>
               </a:ext>
             </a:extLst>
           </p:cNvPr>
@@ -2902,7 +2902,7 @@
             </a:lvl1pPr>
           </a:lstStyle>
           <a:p>
-            <a:fld id="{8017A240-87EB-4D77-AE3A-0ED74839D1EE}" type="datetimeFigureOut">
+            <a:fld id="{5C1A56A0-D082-4B6F-9474-715149C07278}" type="datetimeFigureOut">
               <a:rPr lang="zh-CN" altLang="en-US" smtClean="0"/>
               <a:t>2024/3/10</a:t>
             </a:fld>
@@ -2915,7 +2915,7 @@
           <p:cNvPr id="5" name="页脚占位符 4">
             <a:extLst>
               <a:ext uri="{FF2B5EF4-FFF2-40B4-BE49-F238E27FC236}">
-                <a16:creationId xmlns:a16="http://schemas.microsoft.com/office/drawing/2014/main" id="{020D67AD-4A8C-A1EB-E0AA-6DC8FA6338A8}"/>
+                <a16:creationId xmlns:a16="http://schemas.microsoft.com/office/drawing/2014/main" id="{B277107F-FC8F-2E68-7697-431F516CA3AE}"/>
               </a:ext>
             </a:extLst>
           </p:cNvPr>
@@ -2958,7 +2958,7 @@
           <p:cNvPr id="6" name="灯片编号占位符 5">
             <a:extLst>
               <a:ext uri="{FF2B5EF4-FFF2-40B4-BE49-F238E27FC236}">
-                <a16:creationId xmlns:a16="http://schemas.microsoft.com/office/drawing/2014/main" id="{03CB09D4-A1C7-39D2-847F-0D951D259750}"/>
+                <a16:creationId xmlns:a16="http://schemas.microsoft.com/office/drawing/2014/main" id="{8669673A-AEE4-911B-01E9-F47EF8798F88}"/>
               </a:ext>
             </a:extLst>
           </p:cNvPr>
@@ -2992,7 +2992,7 @@
             </a:lvl1pPr>
           </a:lstStyle>
           <a:p>
-            <a:fld id="{0AFBBD74-BFF0-41A7-B4B8-A0F2CDA4D2A3}" type="slidenum">
+            <a:fld id="{F8B3442F-0F36-4FE0-889B-D5138B5FEB28}" type="slidenum">
               <a:rPr lang="zh-CN" altLang="en-US" smtClean="0"/>
               <a:t>‹#›</a:t>
             </a:fld>
@@ -3003,7 +3003,7 @@
     </p:spTree>
     <p:extLst>
       <p:ext uri="{BB962C8B-B14F-4D97-AF65-F5344CB8AC3E}">
-        <p14:creationId xmlns:p14="http://schemas.microsoft.com/office/powerpoint/2010/main" val="1886311801"/>
+        <p14:creationId xmlns:p14="http://schemas.microsoft.com/office/powerpoint/2010/main" val="4289218869"/>
       </p:ext>
     </p:extLst>
   </p:cSld>
@@ -3323,7 +3323,7 @@
       </p:grpSpPr>
       <p:pic>
         <p:nvPicPr>
-          <p:cNvPr id="967682" name="Picture 2" descr="944"/>
+          <p:cNvPr id="968706" name="Picture 2" descr="945"/>
           <p:cNvPicPr>
             <a:picLocks noChangeAspect="1" noChangeArrowheads="1"/>
           </p:cNvPicPr>
@@ -3345,7 +3345,7 @@
         <p:spPr bwMode="auto">
           <a:xfrm>
             <a:off x="1524000" y="0"/>
-            <a:ext cx="9144000" cy="6858000"/>
+            <a:ext cx="9144000" cy="6165850"/>
           </a:xfrm>
           <a:prstGeom prst="rect">
             <a:avLst/>
@@ -3375,158 +3375,11 @@
           </a:extLst>
         </p:spPr>
       </p:pic>
-      <p:pic>
-        <p:nvPicPr>
-          <p:cNvPr id="968707" name="Picture 3" descr="944-2"/>
-          <p:cNvPicPr>
-            <a:picLocks noChangeAspect="1" noChangeArrowheads="1"/>
-          </p:cNvPicPr>
-          <p:nvPr/>
-        </p:nvPicPr>
-        <p:blipFill>
-          <a:blip r:embed="rId3">
-            <a:extLst>
-              <a:ext uri="{28A0092B-C50C-407E-A947-70E740481C1C}">
-                <a14:useLocalDpi xmlns:a14="http://schemas.microsoft.com/office/drawing/2010/main" val="0"/>
-              </a:ext>
-            </a:extLst>
-          </a:blip>
-          <a:srcRect/>
-          <a:stretch>
-            <a:fillRect/>
-          </a:stretch>
-        </p:blipFill>
-        <p:spPr bwMode="auto">
-          <a:xfrm>
-            <a:off x="1524000" y="0"/>
-            <a:ext cx="9144000" cy="6381750"/>
-          </a:xfrm>
-          <a:prstGeom prst="rect">
-            <a:avLst/>
-          </a:prstGeom>
-          <a:noFill/>
-          <a:ln>
-            <a:noFill/>
-          </a:ln>
-          <a:effectLst/>
-          <a:extLst>
-            <a:ext uri="{909E8E84-426E-40DD-AFC4-6F175D3DCCD1}">
-              <a14:hiddenFill xmlns:a14="http://schemas.microsoft.com/office/drawing/2010/main">
-                <a:solidFill>
-                  <a:srgbClr val="FFFFFF"/>
-                </a:solidFill>
-              </a14:hiddenFill>
-            </a:ext>
-            <a:ext uri="{91240B29-F687-4F45-9708-019B960494DF}">
-              <a14:hiddenLine xmlns:a14="http://schemas.microsoft.com/office/drawing/2010/main" w="9525">
-                <a:solidFill>
-                  <a:srgbClr val="000000"/>
-                </a:solidFill>
-                <a:miter lim="800000"/>
-                <a:headEnd/>
-                <a:tailEnd/>
-              </a14:hiddenLine>
-            </a:ext>
-            <a:ext uri="{AF507438-7753-43E0-B8FC-AC1667EBCBE1}">
-              <a14:hiddenEffects xmlns:a14="http://schemas.microsoft.com/office/drawing/2010/main">
-                <a:effectLst>
-                  <a:outerShdw dist="35921" dir="2700000" algn="ctr" rotWithShape="0">
-                    <a:srgbClr val="808080"/>
-                  </a:outerShdw>
-                </a:effectLst>
-              </a14:hiddenEffects>
-            </a:ext>
-          </a:extLst>
-        </p:spPr>
-      </p:pic>
     </p:spTree>
   </p:cSld>
   <p:clrMapOvr>
     <a:masterClrMapping/>
   </p:clrMapOvr>
-  <p:timing>
-    <p:tnLst>
-      <p:par>
-        <p:cTn id="1" dur="indefinite" restart="never" nodeType="tmRoot">
-          <p:childTnLst>
-            <p:seq concurrent="1" nextAc="seek">
-              <p:cTn id="2" dur="indefinite" nodeType="mainSeq">
-                <p:childTnLst>
-                  <p:par>
-                    <p:cTn id="3" fill="hold" nodeType="clickPar">
-                      <p:stCondLst>
-                        <p:cond delay="indefinite"/>
-                      </p:stCondLst>
-                      <p:childTnLst>
-                        <p:par>
-                          <p:cTn id="4" fill="hold" nodeType="withGroup">
-                            <p:stCondLst>
-                              <p:cond delay="0"/>
-                            </p:stCondLst>
-                            <p:childTnLst>
-                              <p:par>
-                                <p:cTn id="5" presetID="10" presetClass="entr" presetSubtype="0" fill="hold" nodeType="clickEffect">
-                                  <p:stCondLst>
-                                    <p:cond delay="0"/>
-                                  </p:stCondLst>
-                                  <p:childTnLst>
-                                    <p:set>
-                                      <p:cBhvr>
-                                        <p:cTn id="6" dur="1" fill="hold">
-                                          <p:stCondLst>
-                                            <p:cond delay="0"/>
-                                          </p:stCondLst>
-                                        </p:cTn>
-                                        <p:tgtEl>
-                                          <p:spTgt spid="968707"/>
-                                        </p:tgtEl>
-                                        <p:attrNameLst>
-                                          <p:attrName>style.visibility</p:attrName>
-                                        </p:attrNameLst>
-                                      </p:cBhvr>
-                                      <p:to>
-                                        <p:strVal val="visible"/>
-                                      </p:to>
-                                    </p:set>
-                                    <p:animEffect transition="in" filter="fade">
-                                      <p:cBhvr>
-                                        <p:cTn id="7" dur="500"/>
-                                        <p:tgtEl>
-                                          <p:spTgt spid="968707"/>
-                                        </p:tgtEl>
-                                      </p:cBhvr>
-                                    </p:animEffect>
-                                  </p:childTnLst>
-                                </p:cTn>
-                              </p:par>
-                            </p:childTnLst>
-                          </p:cTn>
-                        </p:par>
-                      </p:childTnLst>
-                    </p:cTn>
-                  </p:par>
-                </p:childTnLst>
-              </p:cTn>
-              <p:prevCondLst>
-                <p:cond evt="onPrev" delay="0">
-                  <p:tgtEl>
-                    <p:sldTgt/>
-                  </p:tgtEl>
-                </p:cond>
-              </p:prevCondLst>
-              <p:nextCondLst>
-                <p:cond evt="onNext" delay="0">
-                  <p:tgtEl>
-                    <p:sldTgt/>
-                  </p:tgtEl>
-                </p:cond>
-              </p:nextCondLst>
-            </p:seq>
-          </p:childTnLst>
-        </p:cTn>
-      </p:par>
-    </p:tnLst>
-  </p:timing>
 </p:sld>
 </file>
 
